--- a/static/files/microbit/03-Iteration-and-Selection.pptx
+++ b/static/files/microbit/03-Iteration-and-Selection.pptx
@@ -3816,6 +3816,7 @@
                 <a:solidFill>
                   <a:schemeClr val="lt1"/>
                 </a:solidFill>
+                <a:latin typeface="Atkinson Hyperlegible" pitchFamily="2" charset="0"/>
               </a:rPr>
               <a:t>Lesson 3</a:t>
             </a:r>
@@ -3867,6 +3868,7 @@
                 <a:solidFill>
                   <a:schemeClr val="lt1"/>
                 </a:solidFill>
+                <a:latin typeface="Atkinson Hyperlegible" pitchFamily="2" charset="0"/>
               </a:rPr>
               <a:t>Iteration and Selection</a:t>
             </a:r>
@@ -3914,13 +3916,11 @@
               <a:buFont typeface="Arial"/>
               <a:buNone/>
             </a:pPr>
-            <a:endParaRPr sz="1400" b="0" i="0" u="none" strike="noStrike" cap="none">
+            <a:endParaRPr sz="1400" u="none" strike="noStrike" cap="none">
               <a:solidFill>
                 <a:srgbClr val="000000"/>
               </a:solidFill>
-              <a:latin typeface="Arial"/>
-              <a:ea typeface="Arial"/>
-              <a:cs typeface="Arial"/>
+              <a:latin typeface="Atkinson Hyperlegible" pitchFamily="2" charset="0"/>
               <a:sym typeface="Arial"/>
             </a:endParaRPr>
           </a:p>
@@ -4049,6 +4049,250 @@
           </a:extLst>
         </p:spPr>
       </p:pic>
+      <p:sp>
+        <p:nvSpPr>
+          <p:cNvPr id="6" name="Shape 94">
+            <a:extLst>
+              <a:ext uri="{FF2B5EF4-FFF2-40B4-BE49-F238E27FC236}">
+                <a16:creationId xmlns:a16="http://schemas.microsoft.com/office/drawing/2014/main" id="{243FAB66-3AC1-EC15-E230-C5A920319394}"/>
+              </a:ext>
+            </a:extLst>
+          </p:cNvPr>
+          <p:cNvSpPr txBox="1">
+            <a:spLocks/>
+          </p:cNvSpPr>
+          <p:nvPr/>
+        </p:nvSpPr>
+        <p:spPr>
+          <a:xfrm>
+            <a:off x="175189" y="0"/>
+            <a:ext cx="8229600" cy="683699"/>
+          </a:xfrm>
+          <a:prstGeom prst="rect">
+            <a:avLst/>
+          </a:prstGeom>
+          <a:solidFill>
+            <a:srgbClr val="5CB343"/>
+          </a:solidFill>
+          <a:ln>
+            <a:noFill/>
+          </a:ln>
+        </p:spPr>
+        <p:txBody>
+          <a:bodyPr lIns="91425" tIns="91425" rIns="91425" bIns="91425" anchor="ctr" anchorCtr="0">
+            <a:noAutofit/>
+          </a:bodyPr>
+          <a:lstStyle>
+            <a:defPPr marR="0" lvl="0" algn="l" rtl="0">
+              <a:lnSpc>
+                <a:spcPct val="100000"/>
+              </a:lnSpc>
+              <a:spcBef>
+                <a:spcPts val="0"/>
+              </a:spcBef>
+              <a:spcAft>
+                <a:spcPts val="0"/>
+              </a:spcAft>
+            </a:defPPr>
+            <a:lvl1pPr marL="0" marR="0" lvl="0" indent="0" algn="l" rtl="0">
+              <a:lnSpc>
+                <a:spcPct val="100000"/>
+              </a:lnSpc>
+              <a:spcBef>
+                <a:spcPts val="0"/>
+              </a:spcBef>
+              <a:spcAft>
+                <a:spcPts val="0"/>
+              </a:spcAft>
+              <a:buClr>
+                <a:srgbClr val="FFFFFF"/>
+              </a:buClr>
+              <a:buSzPct val="100000"/>
+              <a:buFont typeface="Ubuntu"/>
+              <a:buNone/>
+              <a:defRPr sz="3000" b="1" i="0" u="none" strike="noStrike" cap="none">
+                <a:solidFill>
+                  <a:srgbClr val="FFFFFF"/>
+                </a:solidFill>
+                <a:latin typeface="Century Gothic" panose="020B0502020202020204" pitchFamily="34" charset="0"/>
+                <a:ea typeface="Century Gothic" panose="020B0502020202020204" pitchFamily="34" charset="0"/>
+                <a:cs typeface="Century Gothic" panose="020B0502020202020204" pitchFamily="34" charset="0"/>
+                <a:sym typeface="Ubuntu"/>
+                <a:rtl val="0"/>
+              </a:defRPr>
+            </a:lvl1pPr>
+            <a:lvl2pPr marL="0" marR="0" lvl="1" indent="0" algn="l" rtl="0">
+              <a:spcBef>
+                <a:spcPts val="0"/>
+              </a:spcBef>
+              <a:buClr>
+                <a:srgbClr val="FFFFFF"/>
+              </a:buClr>
+              <a:buSzPct val="100000"/>
+              <a:buFont typeface="Ubuntu"/>
+              <a:defRPr sz="3000" b="1">
+                <a:solidFill>
+                  <a:srgbClr val="FFFFFF"/>
+                </a:solidFill>
+                <a:latin typeface="Ubuntu"/>
+                <a:ea typeface="Ubuntu"/>
+                <a:cs typeface="Ubuntu"/>
+                <a:sym typeface="Ubuntu"/>
+              </a:defRPr>
+            </a:lvl2pPr>
+            <a:lvl3pPr marL="0" marR="0" lvl="2" indent="0" algn="l" rtl="0">
+              <a:spcBef>
+                <a:spcPts val="0"/>
+              </a:spcBef>
+              <a:buClr>
+                <a:srgbClr val="FFFFFF"/>
+              </a:buClr>
+              <a:buSzPct val="100000"/>
+              <a:buFont typeface="Ubuntu"/>
+              <a:defRPr sz="3000" b="1">
+                <a:solidFill>
+                  <a:srgbClr val="FFFFFF"/>
+                </a:solidFill>
+                <a:latin typeface="Ubuntu"/>
+                <a:ea typeface="Ubuntu"/>
+                <a:cs typeface="Ubuntu"/>
+                <a:sym typeface="Ubuntu"/>
+              </a:defRPr>
+            </a:lvl3pPr>
+            <a:lvl4pPr marL="0" marR="0" lvl="3" indent="0" algn="l" rtl="0">
+              <a:spcBef>
+                <a:spcPts val="0"/>
+              </a:spcBef>
+              <a:buClr>
+                <a:srgbClr val="FFFFFF"/>
+              </a:buClr>
+              <a:buSzPct val="100000"/>
+              <a:buFont typeface="Ubuntu"/>
+              <a:defRPr sz="3000" b="1">
+                <a:solidFill>
+                  <a:srgbClr val="FFFFFF"/>
+                </a:solidFill>
+                <a:latin typeface="Ubuntu"/>
+                <a:ea typeface="Ubuntu"/>
+                <a:cs typeface="Ubuntu"/>
+                <a:sym typeface="Ubuntu"/>
+              </a:defRPr>
+            </a:lvl4pPr>
+            <a:lvl5pPr marL="0" marR="0" lvl="4" indent="0" algn="l" rtl="0">
+              <a:spcBef>
+                <a:spcPts val="0"/>
+              </a:spcBef>
+              <a:buClr>
+                <a:srgbClr val="FFFFFF"/>
+              </a:buClr>
+              <a:buSzPct val="100000"/>
+              <a:buFont typeface="Ubuntu"/>
+              <a:defRPr sz="3000" b="1">
+                <a:solidFill>
+                  <a:srgbClr val="FFFFFF"/>
+                </a:solidFill>
+                <a:latin typeface="Ubuntu"/>
+                <a:ea typeface="Ubuntu"/>
+                <a:cs typeface="Ubuntu"/>
+                <a:sym typeface="Ubuntu"/>
+              </a:defRPr>
+            </a:lvl5pPr>
+            <a:lvl6pPr marL="0" marR="0" lvl="5" indent="0" algn="l" rtl="0">
+              <a:spcBef>
+                <a:spcPts val="0"/>
+              </a:spcBef>
+              <a:buClr>
+                <a:srgbClr val="FFFFFF"/>
+              </a:buClr>
+              <a:buSzPct val="100000"/>
+              <a:buFont typeface="Ubuntu"/>
+              <a:defRPr sz="3000" b="1">
+                <a:solidFill>
+                  <a:srgbClr val="FFFFFF"/>
+                </a:solidFill>
+                <a:latin typeface="Ubuntu"/>
+                <a:ea typeface="Ubuntu"/>
+                <a:cs typeface="Ubuntu"/>
+                <a:sym typeface="Ubuntu"/>
+              </a:defRPr>
+            </a:lvl6pPr>
+            <a:lvl7pPr marL="0" marR="0" lvl="6" indent="0" algn="l" rtl="0">
+              <a:spcBef>
+                <a:spcPts val="0"/>
+              </a:spcBef>
+              <a:buClr>
+                <a:srgbClr val="FFFFFF"/>
+              </a:buClr>
+              <a:buSzPct val="100000"/>
+              <a:buFont typeface="Ubuntu"/>
+              <a:defRPr sz="3000" b="1">
+                <a:solidFill>
+                  <a:srgbClr val="FFFFFF"/>
+                </a:solidFill>
+                <a:latin typeface="Ubuntu"/>
+                <a:ea typeface="Ubuntu"/>
+                <a:cs typeface="Ubuntu"/>
+                <a:sym typeface="Ubuntu"/>
+              </a:defRPr>
+            </a:lvl7pPr>
+            <a:lvl8pPr marL="0" marR="0" lvl="7" indent="0" algn="l" rtl="0">
+              <a:spcBef>
+                <a:spcPts val="0"/>
+              </a:spcBef>
+              <a:buClr>
+                <a:srgbClr val="FFFFFF"/>
+              </a:buClr>
+              <a:buSzPct val="100000"/>
+              <a:buFont typeface="Ubuntu"/>
+              <a:defRPr sz="3000" b="1">
+                <a:solidFill>
+                  <a:srgbClr val="FFFFFF"/>
+                </a:solidFill>
+                <a:latin typeface="Ubuntu"/>
+                <a:ea typeface="Ubuntu"/>
+                <a:cs typeface="Ubuntu"/>
+                <a:sym typeface="Ubuntu"/>
+              </a:defRPr>
+            </a:lvl8pPr>
+            <a:lvl9pPr marL="0" marR="0" lvl="8" indent="0" algn="l" rtl="0">
+              <a:spcBef>
+                <a:spcPts val="0"/>
+              </a:spcBef>
+              <a:buClr>
+                <a:srgbClr val="FFFFFF"/>
+              </a:buClr>
+              <a:buSzPct val="100000"/>
+              <a:buFont typeface="Ubuntu"/>
+              <a:defRPr sz="3000" b="1">
+                <a:solidFill>
+                  <a:srgbClr val="FFFFFF"/>
+                </a:solidFill>
+                <a:latin typeface="Ubuntu"/>
+                <a:ea typeface="Ubuntu"/>
+                <a:cs typeface="Ubuntu"/>
+                <a:sym typeface="Ubuntu"/>
+              </a:defRPr>
+            </a:lvl9pPr>
+          </a:lstStyle>
+          <a:p>
+            <a:r>
+              <a:rPr lang="en-GB" b="0" dirty="0">
+                <a:latin typeface="Atkinson Hyperlegible" pitchFamily="2" charset="0"/>
+              </a:rPr>
+              <a:t>BBC </a:t>
+            </a:r>
+            <a:r>
+              <a:rPr lang="en-GB" b="0" dirty="0" err="1">
+                <a:latin typeface="Atkinson Hyperlegible" pitchFamily="2" charset="0"/>
+              </a:rPr>
+              <a:t>Micro:bit</a:t>
+            </a:r>
+            <a:endParaRPr lang="en-GB" b="0" dirty="0">
+              <a:latin typeface="Atkinson Hyperlegible" pitchFamily="2" charset="0"/>
+            </a:endParaRPr>
+          </a:p>
+        </p:txBody>
+      </p:sp>
     </p:spTree>
   </p:cSld>
   <p:clrMapOvr>
@@ -4109,7 +4353,9 @@
               <a:buNone/>
             </a:pPr>
             <a:r>
-              <a:rPr lang="en-GB" dirty="0"/>
+              <a:rPr lang="en-GB" dirty="0">
+                <a:latin typeface="Atkinson Hyperlegible" pitchFamily="2" charset="0"/>
+              </a:rPr>
               <a:t>Iteration</a:t>
             </a:r>
           </a:p>
@@ -4146,7 +4392,7 @@
           </a:bodyPr>
           <a:lstStyle/>
           <a:p>
-            <a:pPr lvl="0" algn="ctr">
+            <a:pPr lvl="0">
               <a:buClr>
                 <a:srgbClr val="003565"/>
               </a:buClr>
@@ -4157,7 +4403,7 @@
                 <a:solidFill>
                   <a:schemeClr val="tx1"/>
                 </a:solidFill>
-                <a:latin typeface="Century Gothic" panose="020B0502020202020204" pitchFamily="34" charset="0"/>
+                <a:latin typeface="Atkinson Hyperlegible" pitchFamily="2" charset="0"/>
                 <a:ea typeface="Ubuntu"/>
                 <a:cs typeface="Ubuntu"/>
                 <a:sym typeface="Ubuntu"/>
@@ -4198,7 +4444,7 @@
           </a:bodyPr>
           <a:lstStyle/>
           <a:p>
-            <a:pPr lvl="0" algn="ctr">
+            <a:pPr lvl="0">
               <a:buClr>
                 <a:srgbClr val="003565"/>
               </a:buClr>
@@ -4209,7 +4455,7 @@
                 <a:solidFill>
                   <a:schemeClr val="tx1"/>
                 </a:solidFill>
-                <a:latin typeface="Century Gothic" panose="020B0502020202020204" pitchFamily="34" charset="0"/>
+                <a:latin typeface="Atkinson Hyperlegible" pitchFamily="2" charset="0"/>
                 <a:ea typeface="Ubuntu"/>
                 <a:cs typeface="Ubuntu"/>
                 <a:sym typeface="Ubuntu"/>
@@ -4250,7 +4496,7 @@
           </a:bodyPr>
           <a:lstStyle/>
           <a:p>
-            <a:pPr lvl="0" algn="ctr">
+            <a:pPr lvl="0">
               <a:buClr>
                 <a:srgbClr val="003565"/>
               </a:buClr>
@@ -4261,7 +4507,7 @@
                 <a:solidFill>
                   <a:schemeClr val="tx1"/>
                 </a:solidFill>
-                <a:latin typeface="Century Gothic" panose="020B0502020202020204" pitchFamily="34" charset="0"/>
+                <a:latin typeface="Atkinson Hyperlegible" pitchFamily="2" charset="0"/>
                 <a:ea typeface="Ubuntu"/>
                 <a:cs typeface="Ubuntu"/>
                 <a:sym typeface="Ubuntu"/>
@@ -4269,13 +4515,13 @@
               <a:t>The code that you want to repeat has to be indented after the </a:t>
             </a:r>
             <a:r>
-              <a:rPr lang="en-GB" sz="2000" b="1" dirty="0">
+              <a:rPr lang="en-GB" sz="2000" dirty="0">
                 <a:solidFill>
                   <a:srgbClr val="5CB244"/>
                 </a:solidFill>
-                <a:latin typeface="Century Gothic" panose="020B0502020202020204" pitchFamily="34" charset="0"/>
-                <a:ea typeface="Ubuntu"/>
-                <a:cs typeface="Ubuntu"/>
+                <a:latin typeface="Cascadia Mono SemiLight" panose="020B0609020000020004" pitchFamily="49" charset="0"/>
+                <a:ea typeface="Cascadia Mono SemiLight" panose="020B0609020000020004" pitchFamily="49" charset="0"/>
+                <a:cs typeface="Cascadia Mono SemiLight" panose="020B0609020000020004" pitchFamily="49" charset="0"/>
                 <a:sym typeface="Ubuntu"/>
               </a:rPr>
               <a:t>while True: </a:t>
@@ -4285,7 +4531,7 @@
                 <a:solidFill>
                   <a:schemeClr val="tx1"/>
                 </a:solidFill>
-                <a:latin typeface="Century Gothic" panose="020B0502020202020204" pitchFamily="34" charset="0"/>
+                <a:latin typeface="Atkinson Hyperlegible" pitchFamily="2" charset="0"/>
                 <a:ea typeface="Ubuntu"/>
                 <a:cs typeface="Ubuntu"/>
                 <a:sym typeface="Ubuntu"/>
@@ -4326,7 +4572,7 @@
           </a:bodyPr>
           <a:lstStyle/>
           <a:p>
-            <a:pPr lvl="0" algn="ctr">
+            <a:pPr lvl="0">
               <a:buClr>
                 <a:srgbClr val="003565"/>
               </a:buClr>
@@ -4337,7 +4583,7 @@
                 <a:solidFill>
                   <a:schemeClr val="tx1"/>
                 </a:solidFill>
-                <a:latin typeface="Century Gothic" panose="020B0502020202020204" pitchFamily="34" charset="0"/>
+                <a:latin typeface="Atkinson Hyperlegible" pitchFamily="2" charset="0"/>
                 <a:ea typeface="Ubuntu"/>
                 <a:cs typeface="Ubuntu"/>
                 <a:sym typeface="Ubuntu"/>
@@ -4378,7 +4624,7 @@
           </a:bodyPr>
           <a:lstStyle/>
           <a:p>
-            <a:pPr lvl="0" algn="ctr">
+            <a:pPr lvl="0">
               <a:buClr>
                 <a:srgbClr val="003565"/>
               </a:buClr>
@@ -4388,7 +4634,7 @@
               <a:solidFill>
                 <a:schemeClr val="tx1"/>
               </a:solidFill>
-              <a:latin typeface="Century Gothic" panose="020B0502020202020204" pitchFamily="34" charset="0"/>
+              <a:latin typeface="Atkinson Hyperlegible" pitchFamily="2" charset="0"/>
               <a:ea typeface="Ubuntu"/>
               <a:cs typeface="Ubuntu"/>
               <a:sym typeface="Ubuntu"/>
@@ -4485,7 +4731,9 @@
               <a:buNone/>
             </a:pPr>
             <a:r>
-              <a:rPr lang="en-GB" dirty="0"/>
+              <a:rPr lang="en-GB" dirty="0">
+                <a:latin typeface="Atkinson Hyperlegible" pitchFamily="2" charset="0"/>
+              </a:rPr>
               <a:t>Activity 3.1</a:t>
             </a:r>
           </a:p>
@@ -4522,7 +4770,7 @@
           </a:bodyPr>
           <a:lstStyle/>
           <a:p>
-            <a:pPr lvl="0" algn="ctr">
+            <a:pPr lvl="0">
               <a:buClr>
                 <a:srgbClr val="003565"/>
               </a:buClr>
@@ -4533,7 +4781,7 @@
                 <a:solidFill>
                   <a:schemeClr val="tx1"/>
                 </a:solidFill>
-                <a:latin typeface="Century Gothic" panose="020B0502020202020204" pitchFamily="34" charset="0"/>
+                <a:latin typeface="Atkinson Hyperlegible" pitchFamily="2" charset="0"/>
                 <a:ea typeface="Ubuntu"/>
                 <a:cs typeface="Ubuntu"/>
                 <a:sym typeface="Ubuntu"/>
@@ -4574,7 +4822,7 @@
           </a:bodyPr>
           <a:lstStyle/>
           <a:p>
-            <a:pPr lvl="0" algn="ctr">
+            <a:pPr lvl="0">
               <a:buClr>
                 <a:srgbClr val="003565"/>
               </a:buClr>
@@ -4585,7 +4833,7 @@
                 <a:solidFill>
                   <a:schemeClr val="tx1"/>
                 </a:solidFill>
-                <a:latin typeface="Century Gothic" panose="020B0502020202020204" pitchFamily="34" charset="0"/>
+                <a:latin typeface="Atkinson Hyperlegible" pitchFamily="2" charset="0"/>
                 <a:ea typeface="Ubuntu"/>
                 <a:cs typeface="Ubuntu"/>
                 <a:sym typeface="Ubuntu"/>
@@ -4626,7 +4874,7 @@
           </a:bodyPr>
           <a:lstStyle/>
           <a:p>
-            <a:pPr lvl="0" algn="ctr">
+            <a:pPr lvl="0">
               <a:buClr>
                 <a:srgbClr val="003565"/>
               </a:buClr>
@@ -4636,7 +4884,7 @@
               <a:solidFill>
                 <a:schemeClr val="tx1"/>
               </a:solidFill>
-              <a:latin typeface="Century Gothic" panose="020B0502020202020204" pitchFamily="34" charset="0"/>
+              <a:latin typeface="Atkinson Hyperlegible" pitchFamily="2" charset="0"/>
               <a:ea typeface="Ubuntu"/>
               <a:cs typeface="Ubuntu"/>
               <a:sym typeface="Ubuntu"/>
@@ -4733,7 +4981,9 @@
               <a:buNone/>
             </a:pPr>
             <a:r>
-              <a:rPr lang="en-GB" dirty="0"/>
+              <a:rPr lang="en-GB" dirty="0">
+                <a:latin typeface="Atkinson Hyperlegible" pitchFamily="2" charset="0"/>
+              </a:rPr>
               <a:t>Selection</a:t>
             </a:r>
           </a:p>
@@ -4770,7 +5020,7 @@
           </a:bodyPr>
           <a:lstStyle/>
           <a:p>
-            <a:pPr lvl="0" algn="ctr">
+            <a:pPr lvl="0">
               <a:buClr>
                 <a:srgbClr val="003565"/>
               </a:buClr>
@@ -4781,7 +5031,7 @@
                 <a:solidFill>
                   <a:schemeClr val="tx1"/>
                 </a:solidFill>
-                <a:latin typeface="Century Gothic" panose="020B0502020202020204" pitchFamily="34" charset="0"/>
+                <a:latin typeface="Atkinson Hyperlegible" pitchFamily="2" charset="0"/>
                 <a:ea typeface="Ubuntu"/>
                 <a:cs typeface="Ubuntu"/>
                 <a:sym typeface="Ubuntu"/>
@@ -4822,7 +5072,7 @@
           </a:bodyPr>
           <a:lstStyle/>
           <a:p>
-            <a:pPr lvl="0" algn="ctr">
+            <a:pPr lvl="0">
               <a:buClr>
                 <a:srgbClr val="003565"/>
               </a:buClr>
@@ -4833,7 +5083,7 @@
                 <a:solidFill>
                   <a:schemeClr val="tx1"/>
                 </a:solidFill>
-                <a:latin typeface="Century Gothic" panose="020B0502020202020204" pitchFamily="34" charset="0"/>
+                <a:latin typeface="Atkinson Hyperlegible" pitchFamily="2" charset="0"/>
                 <a:ea typeface="Ubuntu"/>
                 <a:cs typeface="Ubuntu"/>
                 <a:sym typeface="Ubuntu"/>
@@ -4898,7 +5148,7 @@
           </a:bodyPr>
           <a:lstStyle/>
           <a:p>
-            <a:pPr lvl="0" algn="ctr">
+            <a:pPr lvl="0">
               <a:buClr>
                 <a:srgbClr val="003565"/>
               </a:buClr>
@@ -4909,7 +5159,7 @@
                 <a:solidFill>
                   <a:schemeClr val="tx1"/>
                 </a:solidFill>
-                <a:latin typeface="Century Gothic" panose="020B0502020202020204" pitchFamily="34" charset="0"/>
+                <a:latin typeface="Atkinson Hyperlegible" pitchFamily="2" charset="0"/>
                 <a:ea typeface="Ubuntu"/>
                 <a:cs typeface="Ubuntu"/>
                 <a:sym typeface="Ubuntu"/>
@@ -4950,7 +5200,7 @@
           </a:bodyPr>
           <a:lstStyle/>
           <a:p>
-            <a:pPr lvl="0" algn="ctr">
+            <a:pPr lvl="0">
               <a:buClr>
                 <a:srgbClr val="003565"/>
               </a:buClr>
@@ -4960,7 +5210,7 @@
               <a:solidFill>
                 <a:schemeClr val="tx1"/>
               </a:solidFill>
-              <a:latin typeface="Century Gothic" panose="020B0502020202020204" pitchFamily="34" charset="0"/>
+              <a:latin typeface="Atkinson Hyperlegible" pitchFamily="2" charset="0"/>
               <a:ea typeface="Ubuntu"/>
               <a:cs typeface="Ubuntu"/>
               <a:sym typeface="Ubuntu"/>
@@ -4999,7 +5249,7 @@
           </a:bodyPr>
           <a:lstStyle/>
           <a:p>
-            <a:pPr lvl="0" algn="ctr">
+            <a:pPr lvl="0">
               <a:buClr>
                 <a:srgbClr val="003565"/>
               </a:buClr>
@@ -5010,7 +5260,7 @@
                 <a:solidFill>
                   <a:schemeClr val="tx1"/>
                 </a:solidFill>
-                <a:latin typeface="Century Gothic" panose="020B0502020202020204" pitchFamily="34" charset="0"/>
+                <a:latin typeface="Atkinson Hyperlegible" pitchFamily="2" charset="0"/>
                 <a:ea typeface="Ubuntu"/>
                 <a:cs typeface="Ubuntu"/>
                 <a:sym typeface="Ubuntu"/>
@@ -5085,7 +5335,9 @@
               <a:buNone/>
             </a:pPr>
             <a:r>
-              <a:rPr lang="en-GB" dirty="0"/>
+              <a:rPr lang="en-GB" dirty="0">
+                <a:latin typeface="Atkinson Hyperlegible" pitchFamily="2" charset="0"/>
+              </a:rPr>
               <a:t>Built In Images</a:t>
             </a:r>
           </a:p>
@@ -5122,7 +5374,7 @@
           </a:bodyPr>
           <a:lstStyle/>
           <a:p>
-            <a:pPr lvl="0" algn="ctr">
+            <a:pPr lvl="0">
               <a:buClr>
                 <a:srgbClr val="003565"/>
               </a:buClr>
@@ -5133,7 +5385,7 @@
                 <a:solidFill>
                   <a:schemeClr val="tx1"/>
                 </a:solidFill>
-                <a:latin typeface="Century Gothic" panose="020B0502020202020204" pitchFamily="34" charset="0"/>
+                <a:latin typeface="Atkinson Hyperlegible" pitchFamily="2" charset="0"/>
                 <a:ea typeface="Ubuntu"/>
                 <a:cs typeface="Ubuntu"/>
                 <a:sym typeface="Ubuntu"/>
@@ -5174,7 +5426,7 @@
           </a:bodyPr>
           <a:lstStyle/>
           <a:p>
-            <a:pPr lvl="0" algn="ctr">
+            <a:pPr lvl="0">
               <a:buClr>
                 <a:srgbClr val="003565"/>
               </a:buClr>
@@ -5185,16 +5437,16 @@
                 <a:solidFill>
                   <a:schemeClr val="tx1"/>
                 </a:solidFill>
-                <a:latin typeface="Century Gothic" panose="020B0502020202020204" pitchFamily="34" charset="0"/>
-                <a:ea typeface="Ubuntu"/>
-                <a:cs typeface="Ubuntu"/>
+                <a:latin typeface="Consolas" panose="020B0609020204030204" pitchFamily="49" charset="0"/>
+                <a:ea typeface="Ubuntu"/>
+                <a:cs typeface="Consolas" panose="020B0609020204030204" pitchFamily="49" charset="0"/>
                 <a:sym typeface="Ubuntu"/>
               </a:rPr>
               <a:t>Image.HEART</a:t>
             </a:r>
           </a:p>
           <a:p>
-            <a:pPr lvl="0" algn="ctr">
+            <a:pPr lvl="0">
               <a:buClr>
                 <a:srgbClr val="003565"/>
               </a:buClr>
@@ -5205,16 +5457,16 @@
                 <a:solidFill>
                   <a:schemeClr val="tx1"/>
                 </a:solidFill>
-                <a:latin typeface="Century Gothic" panose="020B0502020202020204" pitchFamily="34" charset="0"/>
-                <a:ea typeface="Ubuntu"/>
-                <a:cs typeface="Ubuntu"/>
+                <a:latin typeface="Consolas" panose="020B0609020204030204" pitchFamily="49" charset="0"/>
+                <a:ea typeface="Ubuntu"/>
+                <a:cs typeface="Consolas" panose="020B0609020204030204" pitchFamily="49" charset="0"/>
                 <a:sym typeface="Ubuntu"/>
               </a:rPr>
               <a:t>Image.HEART_SMALL</a:t>
             </a:r>
           </a:p>
           <a:p>
-            <a:pPr lvl="0" algn="ctr">
+            <a:pPr lvl="0">
               <a:buClr>
                 <a:srgbClr val="003565"/>
               </a:buClr>
@@ -5225,16 +5477,16 @@
                 <a:solidFill>
                   <a:schemeClr val="tx1"/>
                 </a:solidFill>
-                <a:latin typeface="Century Gothic" panose="020B0502020202020204" pitchFamily="34" charset="0"/>
-                <a:ea typeface="Ubuntu"/>
-                <a:cs typeface="Ubuntu"/>
+                <a:latin typeface="Consolas" panose="020B0609020204030204" pitchFamily="49" charset="0"/>
+                <a:ea typeface="Ubuntu"/>
+                <a:cs typeface="Consolas" panose="020B0609020204030204" pitchFamily="49" charset="0"/>
                 <a:sym typeface="Ubuntu"/>
               </a:rPr>
               <a:t>Image.HAPPY</a:t>
             </a:r>
           </a:p>
           <a:p>
-            <a:pPr lvl="0" algn="ctr">
+            <a:pPr lvl="0">
               <a:buClr>
                 <a:srgbClr val="003565"/>
               </a:buClr>
@@ -5245,16 +5497,16 @@
                 <a:solidFill>
                   <a:schemeClr val="tx1"/>
                 </a:solidFill>
-                <a:latin typeface="Century Gothic" panose="020B0502020202020204" pitchFamily="34" charset="0"/>
-                <a:ea typeface="Ubuntu"/>
-                <a:cs typeface="Ubuntu"/>
+                <a:latin typeface="Consolas" panose="020B0609020204030204" pitchFamily="49" charset="0"/>
+                <a:ea typeface="Ubuntu"/>
+                <a:cs typeface="Consolas" panose="020B0609020204030204" pitchFamily="49" charset="0"/>
                 <a:sym typeface="Ubuntu"/>
               </a:rPr>
               <a:t>Image.SMILE</a:t>
             </a:r>
           </a:p>
           <a:p>
-            <a:pPr lvl="0" algn="ctr">
+            <a:pPr lvl="0">
               <a:buClr>
                 <a:srgbClr val="003565"/>
               </a:buClr>
@@ -5265,16 +5517,16 @@
                 <a:solidFill>
                   <a:schemeClr val="tx1"/>
                 </a:solidFill>
-                <a:latin typeface="Century Gothic" panose="020B0502020202020204" pitchFamily="34" charset="0"/>
-                <a:ea typeface="Ubuntu"/>
-                <a:cs typeface="Ubuntu"/>
+                <a:latin typeface="Consolas" panose="020B0609020204030204" pitchFamily="49" charset="0"/>
+                <a:ea typeface="Ubuntu"/>
+                <a:cs typeface="Consolas" panose="020B0609020204030204" pitchFamily="49" charset="0"/>
                 <a:sym typeface="Ubuntu"/>
               </a:rPr>
               <a:t>Image.SAD</a:t>
             </a:r>
           </a:p>
           <a:p>
-            <a:pPr lvl="0" algn="ctr">
+            <a:pPr lvl="0">
               <a:buClr>
                 <a:srgbClr val="003565"/>
               </a:buClr>
@@ -5285,16 +5537,16 @@
                 <a:solidFill>
                   <a:schemeClr val="tx1"/>
                 </a:solidFill>
-                <a:latin typeface="Century Gothic" panose="020B0502020202020204" pitchFamily="34" charset="0"/>
-                <a:ea typeface="Ubuntu"/>
-                <a:cs typeface="Ubuntu"/>
+                <a:latin typeface="Consolas" panose="020B0609020204030204" pitchFamily="49" charset="0"/>
+                <a:ea typeface="Ubuntu"/>
+                <a:cs typeface="Consolas" panose="020B0609020204030204" pitchFamily="49" charset="0"/>
                 <a:sym typeface="Ubuntu"/>
               </a:rPr>
               <a:t>Image.CONFUSED</a:t>
             </a:r>
           </a:p>
           <a:p>
-            <a:pPr lvl="0" algn="ctr">
+            <a:pPr lvl="0">
               <a:buClr>
                 <a:srgbClr val="003565"/>
               </a:buClr>
@@ -5305,16 +5557,16 @@
                 <a:solidFill>
                   <a:schemeClr val="tx1"/>
                 </a:solidFill>
-                <a:latin typeface="Century Gothic" panose="020B0502020202020204" pitchFamily="34" charset="0"/>
-                <a:ea typeface="Ubuntu"/>
-                <a:cs typeface="Ubuntu"/>
+                <a:latin typeface="Consolas" panose="020B0609020204030204" pitchFamily="49" charset="0"/>
+                <a:ea typeface="Ubuntu"/>
+                <a:cs typeface="Consolas" panose="020B0609020204030204" pitchFamily="49" charset="0"/>
                 <a:sym typeface="Ubuntu"/>
               </a:rPr>
               <a:t>Image.ANGRY</a:t>
             </a:r>
           </a:p>
           <a:p>
-            <a:pPr lvl="0" algn="ctr">
+            <a:pPr lvl="0">
               <a:buClr>
                 <a:srgbClr val="003565"/>
               </a:buClr>
@@ -5325,16 +5577,16 @@
                 <a:solidFill>
                   <a:schemeClr val="tx1"/>
                 </a:solidFill>
-                <a:latin typeface="Century Gothic" panose="020B0502020202020204" pitchFamily="34" charset="0"/>
-                <a:ea typeface="Ubuntu"/>
-                <a:cs typeface="Ubuntu"/>
+                <a:latin typeface="Consolas" panose="020B0609020204030204" pitchFamily="49" charset="0"/>
+                <a:ea typeface="Ubuntu"/>
+                <a:cs typeface="Consolas" panose="020B0609020204030204" pitchFamily="49" charset="0"/>
                 <a:sym typeface="Ubuntu"/>
               </a:rPr>
               <a:t>Image.ASLEEP</a:t>
             </a:r>
           </a:p>
           <a:p>
-            <a:pPr lvl="0" algn="ctr">
+            <a:pPr lvl="0">
               <a:buClr>
                 <a:srgbClr val="003565"/>
               </a:buClr>
@@ -5345,16 +5597,16 @@
                 <a:solidFill>
                   <a:schemeClr val="tx1"/>
                 </a:solidFill>
-                <a:latin typeface="Century Gothic" panose="020B0502020202020204" pitchFamily="34" charset="0"/>
-                <a:ea typeface="Ubuntu"/>
-                <a:cs typeface="Ubuntu"/>
+                <a:latin typeface="Consolas" panose="020B0609020204030204" pitchFamily="49" charset="0"/>
+                <a:ea typeface="Ubuntu"/>
+                <a:cs typeface="Consolas" panose="020B0609020204030204" pitchFamily="49" charset="0"/>
                 <a:sym typeface="Ubuntu"/>
               </a:rPr>
               <a:t>Image.SURPRISED</a:t>
             </a:r>
           </a:p>
           <a:p>
-            <a:pPr lvl="0" algn="ctr">
+            <a:pPr lvl="0">
               <a:buClr>
                 <a:srgbClr val="003565"/>
               </a:buClr>
@@ -5365,16 +5617,16 @@
                 <a:solidFill>
                   <a:schemeClr val="tx1"/>
                 </a:solidFill>
-                <a:latin typeface="Century Gothic" panose="020B0502020202020204" pitchFamily="34" charset="0"/>
-                <a:ea typeface="Ubuntu"/>
-                <a:cs typeface="Ubuntu"/>
+                <a:latin typeface="Consolas" panose="020B0609020204030204" pitchFamily="49" charset="0"/>
+                <a:ea typeface="Ubuntu"/>
+                <a:cs typeface="Consolas" panose="020B0609020204030204" pitchFamily="49" charset="0"/>
                 <a:sym typeface="Ubuntu"/>
               </a:rPr>
               <a:t>Image.SILLY</a:t>
             </a:r>
           </a:p>
           <a:p>
-            <a:pPr lvl="0" algn="ctr">
+            <a:pPr lvl="0">
               <a:buClr>
                 <a:srgbClr val="003565"/>
               </a:buClr>
@@ -5385,16 +5637,16 @@
                 <a:solidFill>
                   <a:schemeClr val="tx1"/>
                 </a:solidFill>
-                <a:latin typeface="Century Gothic" panose="020B0502020202020204" pitchFamily="34" charset="0"/>
-                <a:ea typeface="Ubuntu"/>
-                <a:cs typeface="Ubuntu"/>
+                <a:latin typeface="Consolas" panose="020B0609020204030204" pitchFamily="49" charset="0"/>
+                <a:ea typeface="Ubuntu"/>
+                <a:cs typeface="Consolas" panose="020B0609020204030204" pitchFamily="49" charset="0"/>
                 <a:sym typeface="Ubuntu"/>
               </a:rPr>
               <a:t>Image.FABULOUS</a:t>
             </a:r>
           </a:p>
           <a:p>
-            <a:pPr lvl="0" algn="ctr">
+            <a:pPr lvl="0">
               <a:buClr>
                 <a:srgbClr val="003565"/>
               </a:buClr>
@@ -5405,16 +5657,16 @@
                 <a:solidFill>
                   <a:schemeClr val="tx1"/>
                 </a:solidFill>
-                <a:latin typeface="Century Gothic" panose="020B0502020202020204" pitchFamily="34" charset="0"/>
-                <a:ea typeface="Ubuntu"/>
-                <a:cs typeface="Ubuntu"/>
+                <a:latin typeface="Consolas" panose="020B0609020204030204" pitchFamily="49" charset="0"/>
+                <a:ea typeface="Ubuntu"/>
+                <a:cs typeface="Consolas" panose="020B0609020204030204" pitchFamily="49" charset="0"/>
                 <a:sym typeface="Ubuntu"/>
               </a:rPr>
               <a:t>Image.MEH</a:t>
             </a:r>
           </a:p>
           <a:p>
-            <a:pPr lvl="0" algn="ctr">
+            <a:pPr lvl="0">
               <a:buClr>
                 <a:srgbClr val="003565"/>
               </a:buClr>
@@ -5425,16 +5677,16 @@
                 <a:solidFill>
                   <a:schemeClr val="tx1"/>
                 </a:solidFill>
-                <a:latin typeface="Century Gothic" panose="020B0502020202020204" pitchFamily="34" charset="0"/>
-                <a:ea typeface="Ubuntu"/>
-                <a:cs typeface="Ubuntu"/>
+                <a:latin typeface="Consolas" panose="020B0609020204030204" pitchFamily="49" charset="0"/>
+                <a:ea typeface="Ubuntu"/>
+                <a:cs typeface="Consolas" panose="020B0609020204030204" pitchFamily="49" charset="0"/>
                 <a:sym typeface="Ubuntu"/>
               </a:rPr>
               <a:t>Image.YES</a:t>
             </a:r>
           </a:p>
           <a:p>
-            <a:pPr lvl="0" algn="ctr">
+            <a:pPr lvl="0">
               <a:buClr>
                 <a:srgbClr val="003565"/>
               </a:buClr>
@@ -5445,16 +5697,16 @@
                 <a:solidFill>
                   <a:schemeClr val="tx1"/>
                 </a:solidFill>
-                <a:latin typeface="Century Gothic" panose="020B0502020202020204" pitchFamily="34" charset="0"/>
-                <a:ea typeface="Ubuntu"/>
-                <a:cs typeface="Ubuntu"/>
+                <a:latin typeface="Consolas" panose="020B0609020204030204" pitchFamily="49" charset="0"/>
+                <a:ea typeface="Ubuntu"/>
+                <a:cs typeface="Consolas" panose="020B0609020204030204" pitchFamily="49" charset="0"/>
                 <a:sym typeface="Ubuntu"/>
               </a:rPr>
               <a:t>Image.NO</a:t>
             </a:r>
           </a:p>
           <a:p>
-            <a:pPr algn="ctr">
+            <a:pPr>
               <a:buClr>
                 <a:srgbClr val="003565"/>
               </a:buClr>
@@ -5465,9 +5717,9 @@
                 <a:solidFill>
                   <a:schemeClr val="tx1"/>
                 </a:solidFill>
-                <a:latin typeface="Century Gothic" panose="020B0502020202020204" pitchFamily="34" charset="0"/>
-                <a:ea typeface="Ubuntu"/>
-                <a:cs typeface="Ubuntu"/>
+                <a:latin typeface="Consolas" panose="020B0609020204030204" pitchFamily="49" charset="0"/>
+                <a:ea typeface="Ubuntu"/>
+                <a:cs typeface="Consolas" panose="020B0609020204030204" pitchFamily="49" charset="0"/>
                 <a:sym typeface="Ubuntu"/>
               </a:rPr>
               <a:t>Image.TRIANGLE</a:t>
@@ -5506,7 +5758,7 @@
           </a:bodyPr>
           <a:lstStyle/>
           <a:p>
-            <a:pPr lvl="0" algn="ctr">
+            <a:pPr lvl="0">
               <a:buClr>
                 <a:srgbClr val="003565"/>
               </a:buClr>
@@ -5517,16 +5769,16 @@
                 <a:solidFill>
                   <a:schemeClr val="tx1"/>
                 </a:solidFill>
-                <a:latin typeface="Century Gothic" panose="020B0502020202020204" pitchFamily="34" charset="0"/>
-                <a:ea typeface="Ubuntu"/>
-                <a:cs typeface="Ubuntu"/>
+                <a:latin typeface="Consolas" panose="020B0609020204030204" pitchFamily="49" charset="0"/>
+                <a:ea typeface="Ubuntu"/>
+                <a:cs typeface="Consolas" panose="020B0609020204030204" pitchFamily="49" charset="0"/>
                 <a:sym typeface="Ubuntu"/>
               </a:rPr>
               <a:t>Image.TRIANGLE_LEFT</a:t>
             </a:r>
           </a:p>
           <a:p>
-            <a:pPr lvl="0" algn="ctr">
+            <a:pPr lvl="0">
               <a:buClr>
                 <a:srgbClr val="003565"/>
               </a:buClr>
@@ -5537,16 +5789,16 @@
                 <a:solidFill>
                   <a:schemeClr val="tx1"/>
                 </a:solidFill>
-                <a:latin typeface="Century Gothic" panose="020B0502020202020204" pitchFamily="34" charset="0"/>
-                <a:ea typeface="Ubuntu"/>
-                <a:cs typeface="Ubuntu"/>
+                <a:latin typeface="Consolas" panose="020B0609020204030204" pitchFamily="49" charset="0"/>
+                <a:ea typeface="Ubuntu"/>
+                <a:cs typeface="Consolas" panose="020B0609020204030204" pitchFamily="49" charset="0"/>
                 <a:sym typeface="Ubuntu"/>
               </a:rPr>
               <a:t>Image.CHESSBOARD</a:t>
             </a:r>
           </a:p>
           <a:p>
-            <a:pPr lvl="0" algn="ctr">
+            <a:pPr lvl="0">
               <a:buClr>
                 <a:srgbClr val="003565"/>
               </a:buClr>
@@ -5557,16 +5809,16 @@
                 <a:solidFill>
                   <a:schemeClr val="tx1"/>
                 </a:solidFill>
-                <a:latin typeface="Century Gothic" panose="020B0502020202020204" pitchFamily="34" charset="0"/>
-                <a:ea typeface="Ubuntu"/>
-                <a:cs typeface="Ubuntu"/>
+                <a:latin typeface="Consolas" panose="020B0609020204030204" pitchFamily="49" charset="0"/>
+                <a:ea typeface="Ubuntu"/>
+                <a:cs typeface="Consolas" panose="020B0609020204030204" pitchFamily="49" charset="0"/>
                 <a:sym typeface="Ubuntu"/>
               </a:rPr>
               <a:t>Image.DIAMOND</a:t>
             </a:r>
           </a:p>
           <a:p>
-            <a:pPr lvl="0" algn="ctr">
+            <a:pPr lvl="0">
               <a:buClr>
                 <a:srgbClr val="003565"/>
               </a:buClr>
@@ -5577,16 +5829,16 @@
                 <a:solidFill>
                   <a:schemeClr val="tx1"/>
                 </a:solidFill>
-                <a:latin typeface="Century Gothic" panose="020B0502020202020204" pitchFamily="34" charset="0"/>
-                <a:ea typeface="Ubuntu"/>
-                <a:cs typeface="Ubuntu"/>
+                <a:latin typeface="Consolas" panose="020B0609020204030204" pitchFamily="49" charset="0"/>
+                <a:ea typeface="Ubuntu"/>
+                <a:cs typeface="Consolas" panose="020B0609020204030204" pitchFamily="49" charset="0"/>
                 <a:sym typeface="Ubuntu"/>
               </a:rPr>
               <a:t>Image.DIAMOND_SMALL</a:t>
             </a:r>
           </a:p>
           <a:p>
-            <a:pPr lvl="0" algn="ctr">
+            <a:pPr lvl="0">
               <a:buClr>
                 <a:srgbClr val="003565"/>
               </a:buClr>
@@ -5597,16 +5849,16 @@
                 <a:solidFill>
                   <a:schemeClr val="tx1"/>
                 </a:solidFill>
-                <a:latin typeface="Century Gothic" panose="020B0502020202020204" pitchFamily="34" charset="0"/>
-                <a:ea typeface="Ubuntu"/>
-                <a:cs typeface="Ubuntu"/>
+                <a:latin typeface="Consolas" panose="020B0609020204030204" pitchFamily="49" charset="0"/>
+                <a:ea typeface="Ubuntu"/>
+                <a:cs typeface="Consolas" panose="020B0609020204030204" pitchFamily="49" charset="0"/>
                 <a:sym typeface="Ubuntu"/>
               </a:rPr>
               <a:t>Image.SQUARE</a:t>
             </a:r>
           </a:p>
           <a:p>
-            <a:pPr algn="ctr">
+            <a:pPr>
               <a:buClr>
                 <a:srgbClr val="003565"/>
               </a:buClr>
@@ -5617,16 +5869,16 @@
                 <a:solidFill>
                   <a:schemeClr val="tx1"/>
                 </a:solidFill>
-                <a:latin typeface="Century Gothic" panose="020B0502020202020204" pitchFamily="34" charset="0"/>
-                <a:ea typeface="Ubuntu"/>
-                <a:cs typeface="Ubuntu"/>
+                <a:latin typeface="Consolas" panose="020B0609020204030204" pitchFamily="49" charset="0"/>
+                <a:ea typeface="Ubuntu"/>
+                <a:cs typeface="Consolas" panose="020B0609020204030204" pitchFamily="49" charset="0"/>
                 <a:sym typeface="Ubuntu"/>
               </a:rPr>
               <a:t>Image.SQUARE_SMALL</a:t>
             </a:r>
           </a:p>
           <a:p>
-            <a:pPr lvl="0" algn="ctr">
+            <a:pPr lvl="0">
               <a:buClr>
                 <a:srgbClr val="003565"/>
               </a:buClr>
@@ -5637,16 +5889,16 @@
                 <a:solidFill>
                   <a:schemeClr val="tx1"/>
                 </a:solidFill>
-                <a:latin typeface="Century Gothic" panose="020B0502020202020204" pitchFamily="34" charset="0"/>
-                <a:ea typeface="Ubuntu"/>
-                <a:cs typeface="Ubuntu"/>
+                <a:latin typeface="Consolas" panose="020B0609020204030204" pitchFamily="49" charset="0"/>
+                <a:ea typeface="Ubuntu"/>
+                <a:cs typeface="Consolas" panose="020B0609020204030204" pitchFamily="49" charset="0"/>
                 <a:sym typeface="Ubuntu"/>
               </a:rPr>
               <a:t>Image.RABBIT</a:t>
             </a:r>
           </a:p>
           <a:p>
-            <a:pPr lvl="0" algn="ctr">
+            <a:pPr lvl="0">
               <a:buClr>
                 <a:srgbClr val="003565"/>
               </a:buClr>
@@ -5657,16 +5909,16 @@
                 <a:solidFill>
                   <a:schemeClr val="tx1"/>
                 </a:solidFill>
-                <a:latin typeface="Century Gothic" panose="020B0502020202020204" pitchFamily="34" charset="0"/>
-                <a:ea typeface="Ubuntu"/>
-                <a:cs typeface="Ubuntu"/>
+                <a:latin typeface="Consolas" panose="020B0609020204030204" pitchFamily="49" charset="0"/>
+                <a:ea typeface="Ubuntu"/>
+                <a:cs typeface="Consolas" panose="020B0609020204030204" pitchFamily="49" charset="0"/>
                 <a:sym typeface="Ubuntu"/>
               </a:rPr>
               <a:t>Image.COW</a:t>
             </a:r>
           </a:p>
           <a:p>
-            <a:pPr lvl="0" algn="ctr">
+            <a:pPr lvl="0">
               <a:buClr>
                 <a:srgbClr val="003565"/>
               </a:buClr>
@@ -5677,16 +5929,16 @@
                 <a:solidFill>
                   <a:schemeClr val="tx1"/>
                 </a:solidFill>
-                <a:latin typeface="Century Gothic" panose="020B0502020202020204" pitchFamily="34" charset="0"/>
-                <a:ea typeface="Ubuntu"/>
-                <a:cs typeface="Ubuntu"/>
+                <a:latin typeface="Consolas" panose="020B0609020204030204" pitchFamily="49" charset="0"/>
+                <a:ea typeface="Ubuntu"/>
+                <a:cs typeface="Consolas" panose="020B0609020204030204" pitchFamily="49" charset="0"/>
                 <a:sym typeface="Ubuntu"/>
               </a:rPr>
               <a:t>Image.MUSIC_CROTCHET</a:t>
             </a:r>
           </a:p>
           <a:p>
-            <a:pPr lvl="0" algn="ctr">
+            <a:pPr lvl="0">
               <a:buClr>
                 <a:srgbClr val="003565"/>
               </a:buClr>
@@ -5697,16 +5949,16 @@
                 <a:solidFill>
                   <a:schemeClr val="tx1"/>
                 </a:solidFill>
-                <a:latin typeface="Century Gothic" panose="020B0502020202020204" pitchFamily="34" charset="0"/>
-                <a:ea typeface="Ubuntu"/>
-                <a:cs typeface="Ubuntu"/>
+                <a:latin typeface="Consolas" panose="020B0609020204030204" pitchFamily="49" charset="0"/>
+                <a:ea typeface="Ubuntu"/>
+                <a:cs typeface="Consolas" panose="020B0609020204030204" pitchFamily="49" charset="0"/>
                 <a:sym typeface="Ubuntu"/>
               </a:rPr>
               <a:t>Image.MUSIC_QUAVER</a:t>
             </a:r>
           </a:p>
           <a:p>
-            <a:pPr lvl="0" algn="ctr">
+            <a:pPr lvl="0">
               <a:buClr>
                 <a:srgbClr val="003565"/>
               </a:buClr>
@@ -5717,16 +5969,16 @@
                 <a:solidFill>
                   <a:schemeClr val="tx1"/>
                 </a:solidFill>
-                <a:latin typeface="Century Gothic" panose="020B0502020202020204" pitchFamily="34" charset="0"/>
-                <a:ea typeface="Ubuntu"/>
-                <a:cs typeface="Ubuntu"/>
+                <a:latin typeface="Consolas" panose="020B0609020204030204" pitchFamily="49" charset="0"/>
+                <a:ea typeface="Ubuntu"/>
+                <a:cs typeface="Consolas" panose="020B0609020204030204" pitchFamily="49" charset="0"/>
                 <a:sym typeface="Ubuntu"/>
               </a:rPr>
               <a:t>Image.MUSIC_QUAVERS</a:t>
             </a:r>
           </a:p>
           <a:p>
-            <a:pPr lvl="0" algn="ctr">
+            <a:pPr lvl="0">
               <a:buClr>
                 <a:srgbClr val="003565"/>
               </a:buClr>
@@ -5737,16 +5989,16 @@
                 <a:solidFill>
                   <a:schemeClr val="tx1"/>
                 </a:solidFill>
-                <a:latin typeface="Century Gothic" panose="020B0502020202020204" pitchFamily="34" charset="0"/>
-                <a:ea typeface="Ubuntu"/>
-                <a:cs typeface="Ubuntu"/>
+                <a:latin typeface="Consolas" panose="020B0609020204030204" pitchFamily="49" charset="0"/>
+                <a:ea typeface="Ubuntu"/>
+                <a:cs typeface="Consolas" panose="020B0609020204030204" pitchFamily="49" charset="0"/>
                 <a:sym typeface="Ubuntu"/>
               </a:rPr>
               <a:t>Image.PITCHFORK</a:t>
             </a:r>
           </a:p>
           <a:p>
-            <a:pPr lvl="0" algn="ctr">
+            <a:pPr lvl="0">
               <a:buClr>
                 <a:srgbClr val="003565"/>
               </a:buClr>
@@ -5757,16 +6009,16 @@
                 <a:solidFill>
                   <a:schemeClr val="tx1"/>
                 </a:solidFill>
-                <a:latin typeface="Century Gothic" panose="020B0502020202020204" pitchFamily="34" charset="0"/>
-                <a:ea typeface="Ubuntu"/>
-                <a:cs typeface="Ubuntu"/>
+                <a:latin typeface="Consolas" panose="020B0609020204030204" pitchFamily="49" charset="0"/>
+                <a:ea typeface="Ubuntu"/>
+                <a:cs typeface="Consolas" panose="020B0609020204030204" pitchFamily="49" charset="0"/>
                 <a:sym typeface="Ubuntu"/>
               </a:rPr>
               <a:t>Image.XMAS</a:t>
             </a:r>
           </a:p>
           <a:p>
-            <a:pPr lvl="0" algn="ctr">
+            <a:pPr lvl="0">
               <a:buClr>
                 <a:srgbClr val="003565"/>
               </a:buClr>
@@ -5777,9 +6029,9 @@
                 <a:solidFill>
                   <a:schemeClr val="tx1"/>
                 </a:solidFill>
-                <a:latin typeface="Century Gothic" panose="020B0502020202020204" pitchFamily="34" charset="0"/>
-                <a:ea typeface="Ubuntu"/>
-                <a:cs typeface="Ubuntu"/>
+                <a:latin typeface="Consolas" panose="020B0609020204030204" pitchFamily="49" charset="0"/>
+                <a:ea typeface="Ubuntu"/>
+                <a:cs typeface="Consolas" panose="020B0609020204030204" pitchFamily="49" charset="0"/>
                 <a:sym typeface="Ubuntu"/>
               </a:rPr>
               <a:t>Image.PACMAN</a:t>
@@ -5818,7 +6070,7 @@
           </a:bodyPr>
           <a:lstStyle/>
           <a:p>
-            <a:pPr algn="ctr">
+            <a:pPr>
               <a:buClr>
                 <a:srgbClr val="003565"/>
               </a:buClr>
@@ -5829,16 +6081,16 @@
                 <a:solidFill>
                   <a:schemeClr val="tx1"/>
                 </a:solidFill>
-                <a:latin typeface="Century Gothic" panose="020B0502020202020204" pitchFamily="34" charset="0"/>
-                <a:ea typeface="Ubuntu"/>
-                <a:cs typeface="Ubuntu"/>
+                <a:latin typeface="Consolas" panose="020B0609020204030204" pitchFamily="49" charset="0"/>
+                <a:ea typeface="Ubuntu"/>
+                <a:cs typeface="Consolas" panose="020B0609020204030204" pitchFamily="49" charset="0"/>
                 <a:sym typeface="Ubuntu"/>
               </a:rPr>
               <a:t>Image.TARGET</a:t>
             </a:r>
           </a:p>
           <a:p>
-            <a:pPr lvl="0" algn="ctr">
+            <a:pPr lvl="0">
               <a:buClr>
                 <a:srgbClr val="003565"/>
               </a:buClr>
@@ -5849,16 +6101,16 @@
                 <a:solidFill>
                   <a:schemeClr val="tx1"/>
                 </a:solidFill>
-                <a:latin typeface="Century Gothic" panose="020B0502020202020204" pitchFamily="34" charset="0"/>
-                <a:ea typeface="Ubuntu"/>
-                <a:cs typeface="Ubuntu"/>
+                <a:latin typeface="Consolas" panose="020B0609020204030204" pitchFamily="49" charset="0"/>
+                <a:ea typeface="Ubuntu"/>
+                <a:cs typeface="Consolas" panose="020B0609020204030204" pitchFamily="49" charset="0"/>
                 <a:sym typeface="Ubuntu"/>
               </a:rPr>
               <a:t>Image.TSHIRT</a:t>
             </a:r>
           </a:p>
           <a:p>
-            <a:pPr lvl="0" algn="ctr">
+            <a:pPr lvl="0">
               <a:buClr>
                 <a:srgbClr val="003565"/>
               </a:buClr>
@@ -5869,16 +6121,16 @@
                 <a:solidFill>
                   <a:schemeClr val="tx1"/>
                 </a:solidFill>
-                <a:latin typeface="Century Gothic" panose="020B0502020202020204" pitchFamily="34" charset="0"/>
-                <a:ea typeface="Ubuntu"/>
-                <a:cs typeface="Ubuntu"/>
+                <a:latin typeface="Consolas" panose="020B0609020204030204" pitchFamily="49" charset="0"/>
+                <a:ea typeface="Ubuntu"/>
+                <a:cs typeface="Consolas" panose="020B0609020204030204" pitchFamily="49" charset="0"/>
                 <a:sym typeface="Ubuntu"/>
               </a:rPr>
               <a:t>Image.ROLLERSKATE</a:t>
             </a:r>
           </a:p>
           <a:p>
-            <a:pPr lvl="0" algn="ctr">
+            <a:pPr lvl="0">
               <a:buClr>
                 <a:srgbClr val="003565"/>
               </a:buClr>
@@ -5889,16 +6141,16 @@
                 <a:solidFill>
                   <a:schemeClr val="tx1"/>
                 </a:solidFill>
-                <a:latin typeface="Century Gothic" panose="020B0502020202020204" pitchFamily="34" charset="0"/>
-                <a:ea typeface="Ubuntu"/>
-                <a:cs typeface="Ubuntu"/>
+                <a:latin typeface="Consolas" panose="020B0609020204030204" pitchFamily="49" charset="0"/>
+                <a:ea typeface="Ubuntu"/>
+                <a:cs typeface="Consolas" panose="020B0609020204030204" pitchFamily="49" charset="0"/>
                 <a:sym typeface="Ubuntu"/>
               </a:rPr>
               <a:t>Image.DUCK</a:t>
             </a:r>
           </a:p>
           <a:p>
-            <a:pPr lvl="0" algn="ctr">
+            <a:pPr lvl="0">
               <a:buClr>
                 <a:srgbClr val="003565"/>
               </a:buClr>
@@ -5909,16 +6161,16 @@
                 <a:solidFill>
                   <a:schemeClr val="tx1"/>
                 </a:solidFill>
-                <a:latin typeface="Century Gothic" panose="020B0502020202020204" pitchFamily="34" charset="0"/>
-                <a:ea typeface="Ubuntu"/>
-                <a:cs typeface="Ubuntu"/>
+                <a:latin typeface="Consolas" panose="020B0609020204030204" pitchFamily="49" charset="0"/>
+                <a:ea typeface="Ubuntu"/>
+                <a:cs typeface="Consolas" panose="020B0609020204030204" pitchFamily="49" charset="0"/>
                 <a:sym typeface="Ubuntu"/>
               </a:rPr>
               <a:t>Image.HOUSE</a:t>
             </a:r>
           </a:p>
           <a:p>
-            <a:pPr lvl="0" algn="ctr">
+            <a:pPr lvl="0">
               <a:buClr>
                 <a:srgbClr val="003565"/>
               </a:buClr>
@@ -5929,16 +6181,16 @@
                 <a:solidFill>
                   <a:schemeClr val="tx1"/>
                 </a:solidFill>
-                <a:latin typeface="Century Gothic" panose="020B0502020202020204" pitchFamily="34" charset="0"/>
-                <a:ea typeface="Ubuntu"/>
-                <a:cs typeface="Ubuntu"/>
+                <a:latin typeface="Consolas" panose="020B0609020204030204" pitchFamily="49" charset="0"/>
+                <a:ea typeface="Ubuntu"/>
+                <a:cs typeface="Consolas" panose="020B0609020204030204" pitchFamily="49" charset="0"/>
                 <a:sym typeface="Ubuntu"/>
               </a:rPr>
               <a:t>Image.TORTOISE</a:t>
             </a:r>
           </a:p>
           <a:p>
-            <a:pPr lvl="0" algn="ctr">
+            <a:pPr lvl="0">
               <a:buClr>
                 <a:srgbClr val="003565"/>
               </a:buClr>
@@ -5949,16 +6201,16 @@
                 <a:solidFill>
                   <a:schemeClr val="tx1"/>
                 </a:solidFill>
-                <a:latin typeface="Century Gothic" panose="020B0502020202020204" pitchFamily="34" charset="0"/>
-                <a:ea typeface="Ubuntu"/>
-                <a:cs typeface="Ubuntu"/>
+                <a:latin typeface="Consolas" panose="020B0609020204030204" pitchFamily="49" charset="0"/>
+                <a:ea typeface="Ubuntu"/>
+                <a:cs typeface="Consolas" panose="020B0609020204030204" pitchFamily="49" charset="0"/>
                 <a:sym typeface="Ubuntu"/>
               </a:rPr>
               <a:t>Image.BUTTERFLY</a:t>
             </a:r>
           </a:p>
           <a:p>
-            <a:pPr lvl="0" algn="ctr">
+            <a:pPr lvl="0">
               <a:buClr>
                 <a:srgbClr val="003565"/>
               </a:buClr>
@@ -5969,16 +6221,16 @@
                 <a:solidFill>
                   <a:schemeClr val="tx1"/>
                 </a:solidFill>
-                <a:latin typeface="Century Gothic" panose="020B0502020202020204" pitchFamily="34" charset="0"/>
-                <a:ea typeface="Ubuntu"/>
-                <a:cs typeface="Ubuntu"/>
+                <a:latin typeface="Consolas" panose="020B0609020204030204" pitchFamily="49" charset="0"/>
+                <a:ea typeface="Ubuntu"/>
+                <a:cs typeface="Consolas" panose="020B0609020204030204" pitchFamily="49" charset="0"/>
                 <a:sym typeface="Ubuntu"/>
               </a:rPr>
               <a:t>Image.STICKFIGURE</a:t>
             </a:r>
           </a:p>
           <a:p>
-            <a:pPr lvl="0" algn="ctr">
+            <a:pPr lvl="0">
               <a:buClr>
                 <a:srgbClr val="003565"/>
               </a:buClr>
@@ -5989,16 +6241,16 @@
                 <a:solidFill>
                   <a:schemeClr val="tx1"/>
                 </a:solidFill>
-                <a:latin typeface="Century Gothic" panose="020B0502020202020204" pitchFamily="34" charset="0"/>
-                <a:ea typeface="Ubuntu"/>
-                <a:cs typeface="Ubuntu"/>
+                <a:latin typeface="Consolas" panose="020B0609020204030204" pitchFamily="49" charset="0"/>
+                <a:ea typeface="Ubuntu"/>
+                <a:cs typeface="Consolas" panose="020B0609020204030204" pitchFamily="49" charset="0"/>
                 <a:sym typeface="Ubuntu"/>
               </a:rPr>
               <a:t>Image.GHOST</a:t>
             </a:r>
           </a:p>
           <a:p>
-            <a:pPr lvl="0" algn="ctr">
+            <a:pPr lvl="0">
               <a:buClr>
                 <a:srgbClr val="003565"/>
               </a:buClr>
@@ -6009,16 +6261,16 @@
                 <a:solidFill>
                   <a:schemeClr val="tx1"/>
                 </a:solidFill>
-                <a:latin typeface="Century Gothic" panose="020B0502020202020204" pitchFamily="34" charset="0"/>
-                <a:ea typeface="Ubuntu"/>
-                <a:cs typeface="Ubuntu"/>
+                <a:latin typeface="Consolas" panose="020B0609020204030204" pitchFamily="49" charset="0"/>
+                <a:ea typeface="Ubuntu"/>
+                <a:cs typeface="Consolas" panose="020B0609020204030204" pitchFamily="49" charset="0"/>
                 <a:sym typeface="Ubuntu"/>
               </a:rPr>
               <a:t>Image.SWORD</a:t>
             </a:r>
           </a:p>
           <a:p>
-            <a:pPr lvl="0" algn="ctr">
+            <a:pPr lvl="0">
               <a:buClr>
                 <a:srgbClr val="003565"/>
               </a:buClr>
@@ -6029,16 +6281,16 @@
                 <a:solidFill>
                   <a:schemeClr val="tx1"/>
                 </a:solidFill>
-                <a:latin typeface="Century Gothic" panose="020B0502020202020204" pitchFamily="34" charset="0"/>
-                <a:ea typeface="Ubuntu"/>
-                <a:cs typeface="Ubuntu"/>
+                <a:latin typeface="Consolas" panose="020B0609020204030204" pitchFamily="49" charset="0"/>
+                <a:ea typeface="Ubuntu"/>
+                <a:cs typeface="Consolas" panose="020B0609020204030204" pitchFamily="49" charset="0"/>
                 <a:sym typeface="Ubuntu"/>
               </a:rPr>
               <a:t>Image.GIRAFFE</a:t>
             </a:r>
           </a:p>
           <a:p>
-            <a:pPr lvl="0" algn="ctr">
+            <a:pPr lvl="0">
               <a:buClr>
                 <a:srgbClr val="003565"/>
               </a:buClr>
@@ -6049,16 +6301,16 @@
                 <a:solidFill>
                   <a:schemeClr val="tx1"/>
                 </a:solidFill>
-                <a:latin typeface="Century Gothic" panose="020B0502020202020204" pitchFamily="34" charset="0"/>
-                <a:ea typeface="Ubuntu"/>
-                <a:cs typeface="Ubuntu"/>
+                <a:latin typeface="Consolas" panose="020B0609020204030204" pitchFamily="49" charset="0"/>
+                <a:ea typeface="Ubuntu"/>
+                <a:cs typeface="Consolas" panose="020B0609020204030204" pitchFamily="49" charset="0"/>
                 <a:sym typeface="Ubuntu"/>
               </a:rPr>
               <a:t>Image.SKULL</a:t>
             </a:r>
           </a:p>
           <a:p>
-            <a:pPr lvl="0" algn="ctr">
+            <a:pPr lvl="0">
               <a:buClr>
                 <a:srgbClr val="003565"/>
               </a:buClr>
@@ -6069,16 +6321,16 @@
                 <a:solidFill>
                   <a:schemeClr val="tx1"/>
                 </a:solidFill>
-                <a:latin typeface="Century Gothic" panose="020B0502020202020204" pitchFamily="34" charset="0"/>
-                <a:ea typeface="Ubuntu"/>
-                <a:cs typeface="Ubuntu"/>
+                <a:latin typeface="Consolas" panose="020B0609020204030204" pitchFamily="49" charset="0"/>
+                <a:ea typeface="Ubuntu"/>
+                <a:cs typeface="Consolas" panose="020B0609020204030204" pitchFamily="49" charset="0"/>
                 <a:sym typeface="Ubuntu"/>
               </a:rPr>
               <a:t>Image.UMBRELLA</a:t>
             </a:r>
           </a:p>
           <a:p>
-            <a:pPr lvl="0" algn="ctr">
+            <a:pPr lvl="0">
               <a:buClr>
                 <a:srgbClr val="003565"/>
               </a:buClr>
@@ -6089,9 +6341,9 @@
                 <a:solidFill>
                   <a:schemeClr val="tx1"/>
                 </a:solidFill>
-                <a:latin typeface="Century Gothic" panose="020B0502020202020204" pitchFamily="34" charset="0"/>
-                <a:ea typeface="Ubuntu"/>
-                <a:cs typeface="Ubuntu"/>
+                <a:latin typeface="Consolas" panose="020B0609020204030204" pitchFamily="49" charset="0"/>
+                <a:ea typeface="Ubuntu"/>
+                <a:cs typeface="Consolas" panose="020B0609020204030204" pitchFamily="49" charset="0"/>
                 <a:sym typeface="Ubuntu"/>
               </a:rPr>
               <a:t>Image.SNAKE</a:t>
@@ -6130,7 +6382,7 @@
           </a:bodyPr>
           <a:lstStyle/>
           <a:p>
-            <a:pPr lvl="0" algn="ctr">
+            <a:pPr lvl="0">
               <a:buClr>
                 <a:srgbClr val="003565"/>
               </a:buClr>
@@ -6141,52 +6393,68 @@
                 <a:solidFill>
                   <a:schemeClr val="tx1"/>
                 </a:solidFill>
-                <a:latin typeface="Century Gothic" panose="020B0502020202020204" pitchFamily="34" charset="0"/>
-                <a:ea typeface="Ubuntu"/>
-                <a:cs typeface="Ubuntu"/>
-                <a:sym typeface="Ubuntu"/>
-              </a:rPr>
-              <a:t>Image.CLOCK12 # clock at 12 o' clock</a:t>
-            </a:r>
-          </a:p>
-          <a:p>
-            <a:pPr lvl="0" algn="ctr">
+                <a:latin typeface="Consolas" panose="020B0609020204030204" pitchFamily="49" charset="0"/>
+                <a:ea typeface="Ubuntu"/>
+                <a:cs typeface="Consolas" panose="020B0609020204030204" pitchFamily="49" charset="0"/>
+                <a:sym typeface="Ubuntu"/>
+              </a:rPr>
+              <a:t>Image.CLOCK12 </a:t>
+            </a:r>
+            <a:r>
+              <a:rPr lang="en-GB" sz="1600" dirty="0">
+                <a:solidFill>
+                  <a:schemeClr val="tx1"/>
+                </a:solidFill>
+                <a:latin typeface="Atkinson Hyperlegible" pitchFamily="2" charset="0"/>
+                <a:ea typeface="Ubuntu"/>
+                <a:cs typeface="Consolas" panose="020B0609020204030204" pitchFamily="49" charset="0"/>
+                <a:sym typeface="Ubuntu"/>
+              </a:rPr>
+              <a:t>(clock at 12 o' clock, others from 1–11)</a:t>
+            </a:r>
+          </a:p>
+          <a:p>
+            <a:pPr lvl="0">
               <a:buClr>
                 <a:srgbClr val="003565"/>
               </a:buClr>
               <a:buSzPct val="25000"/>
             </a:pPr>
             <a:r>
+              <a:rPr lang="en-GB" sz="1600" dirty="0" err="1">
+                <a:solidFill>
+                  <a:schemeClr val="tx1"/>
+                </a:solidFill>
+                <a:latin typeface="Consolas" panose="020B0609020204030204" pitchFamily="49" charset="0"/>
+                <a:ea typeface="Ubuntu"/>
+                <a:cs typeface="Consolas" panose="020B0609020204030204" pitchFamily="49" charset="0"/>
+                <a:sym typeface="Ubuntu"/>
+              </a:rPr>
+              <a:t>Image.ARROW_N</a:t>
+            </a:r>
+            <a:r>
               <a:rPr lang="en-GB" sz="1600" dirty="0">
                 <a:solidFill>
                   <a:schemeClr val="tx1"/>
                 </a:solidFill>
-                <a:latin typeface="Century Gothic" panose="020B0502020202020204" pitchFamily="34" charset="0"/>
-                <a:ea typeface="Ubuntu"/>
-                <a:cs typeface="Ubuntu"/>
-                <a:sym typeface="Ubuntu"/>
-              </a:rPr>
-              <a:t>Image.ARROW_N</a:t>
-            </a:r>
-          </a:p>
-          <a:p>
-            <a:pPr lvl="0" algn="ctr">
-              <a:buClr>
-                <a:srgbClr val="003565"/>
-              </a:buClr>
-              <a:buSzPct val="25000"/>
-            </a:pPr>
+                <a:latin typeface="Consolas" panose="020B0609020204030204" pitchFamily="49" charset="0"/>
+                <a:ea typeface="Ubuntu"/>
+                <a:cs typeface="Consolas" panose="020B0609020204030204" pitchFamily="49" charset="0"/>
+                <a:sym typeface="Ubuntu"/>
+              </a:rPr>
+              <a:t> </a:t>
+            </a:r>
             <a:r>
               <a:rPr lang="en-GB" sz="1600" dirty="0">
                 <a:solidFill>
                   <a:schemeClr val="tx1"/>
                 </a:solidFill>
-                <a:latin typeface="Century Gothic" panose="020B0502020202020204" pitchFamily="34" charset="0"/>
-                <a:ea typeface="Ubuntu"/>
-                <a:cs typeface="Ubuntu"/>
-                <a:sym typeface="Ubuntu"/>
-              </a:rPr>
-              <a:t>... # arrows pointing N, NE, E, SE, S, SW, W, NW (microbit.Image.ARROW_direction)</a:t>
+                <a:latin typeface="Atkinson Hyperlegible" pitchFamily="2" charset="0"/>
+                <a:ea typeface="Ubuntu"/>
+                <a:cs typeface="Consolas" panose="020B0609020204030204" pitchFamily="49" charset="0"/>
+                <a:sym typeface="Ubuntu"/>
+              </a:rPr>
+              <a:t>(arrow pointing north, others replace N with  NE, E, SE, S, SW, W, NW)</a:t>
             </a:r>
           </a:p>
         </p:txBody>
@@ -6256,7 +6524,9 @@
               <a:buNone/>
             </a:pPr>
             <a:r>
-              <a:rPr lang="en-GB" dirty="0"/>
+              <a:rPr lang="en-GB" dirty="0">
+                <a:latin typeface="Atkinson Hyperlegible" pitchFamily="2" charset="0"/>
+              </a:rPr>
               <a:t>Activity 3.2</a:t>
             </a:r>
           </a:p>
@@ -6293,7 +6563,7 @@
           </a:bodyPr>
           <a:lstStyle/>
           <a:p>
-            <a:pPr lvl="0" algn="ctr">
+            <a:pPr lvl="0">
               <a:buClr>
                 <a:srgbClr val="003565"/>
               </a:buClr>
@@ -6304,7 +6574,7 @@
                 <a:solidFill>
                   <a:schemeClr val="tx1"/>
                 </a:solidFill>
-                <a:latin typeface="Century Gothic" panose="020B0502020202020204" pitchFamily="34" charset="0"/>
+                <a:latin typeface="Atkinson Hyperlegible" pitchFamily="2" charset="0"/>
                 <a:ea typeface="Ubuntu"/>
                 <a:cs typeface="Ubuntu"/>
                 <a:sym typeface="Ubuntu"/>
@@ -6345,7 +6615,7 @@
           </a:bodyPr>
           <a:lstStyle/>
           <a:p>
-            <a:pPr lvl="0" algn="ctr">
+            <a:pPr lvl="0">
               <a:buClr>
                 <a:srgbClr val="003565"/>
               </a:buClr>
@@ -6356,7 +6626,7 @@
                 <a:solidFill>
                   <a:schemeClr val="tx1"/>
                 </a:solidFill>
-                <a:latin typeface="Century Gothic" panose="020B0502020202020204" pitchFamily="34" charset="0"/>
+                <a:latin typeface="Atkinson Hyperlegible" pitchFamily="2" charset="0"/>
                 <a:ea typeface="Ubuntu"/>
                 <a:cs typeface="Ubuntu"/>
                 <a:sym typeface="Ubuntu"/>
@@ -6397,7 +6667,7 @@
           </a:bodyPr>
           <a:lstStyle/>
           <a:p>
-            <a:pPr lvl="0" algn="ctr">
+            <a:pPr lvl="0">
               <a:buClr>
                 <a:srgbClr val="003565"/>
               </a:buClr>
@@ -6407,7 +6677,7 @@
               <a:solidFill>
                 <a:schemeClr val="tx1"/>
               </a:solidFill>
-              <a:latin typeface="Century Gothic" panose="020B0502020202020204" pitchFamily="34" charset="0"/>
+              <a:latin typeface="Atkinson Hyperlegible" pitchFamily="2" charset="0"/>
               <a:ea typeface="Ubuntu"/>
               <a:cs typeface="Ubuntu"/>
               <a:sym typeface="Ubuntu"/>
@@ -6504,7 +6774,9 @@
               <a:buNone/>
             </a:pPr>
             <a:r>
-              <a:rPr lang="en-GB" dirty="0"/>
+              <a:rPr lang="en-GB" dirty="0">
+                <a:latin typeface="Atkinson Hyperlegible" pitchFamily="2" charset="0"/>
+              </a:rPr>
               <a:t>Activity 3.3</a:t>
             </a:r>
           </a:p>
@@ -6541,7 +6813,7 @@
           </a:bodyPr>
           <a:lstStyle/>
           <a:p>
-            <a:pPr lvl="0" algn="ctr">
+            <a:pPr lvl="0">
               <a:buClr>
                 <a:srgbClr val="003565"/>
               </a:buClr>
@@ -6552,7 +6824,7 @@
                 <a:solidFill>
                   <a:schemeClr val="tx1"/>
                 </a:solidFill>
-                <a:latin typeface="Century Gothic" panose="020B0502020202020204" pitchFamily="34" charset="0"/>
+                <a:latin typeface="Atkinson Hyperlegible" pitchFamily="2" charset="0"/>
                 <a:ea typeface="Ubuntu"/>
                 <a:cs typeface="Ubuntu"/>
                 <a:sym typeface="Ubuntu"/>
@@ -6593,7 +6865,7 @@
           </a:bodyPr>
           <a:lstStyle/>
           <a:p>
-            <a:pPr lvl="0" algn="ctr">
+            <a:pPr lvl="0">
               <a:buClr>
                 <a:srgbClr val="003565"/>
               </a:buClr>
@@ -6604,7 +6876,7 @@
                 <a:solidFill>
                   <a:schemeClr val="tx1"/>
                 </a:solidFill>
-                <a:latin typeface="Century Gothic" panose="020B0502020202020204" pitchFamily="34" charset="0"/>
+                <a:latin typeface="Atkinson Hyperlegible" pitchFamily="2" charset="0"/>
                 <a:ea typeface="Ubuntu"/>
                 <a:cs typeface="Ubuntu"/>
                 <a:sym typeface="Ubuntu"/>
@@ -6669,7 +6941,7 @@
           </a:bodyPr>
           <a:lstStyle/>
           <a:p>
-            <a:pPr lvl="0" algn="ctr">
+            <a:pPr lvl="0">
               <a:buClr>
                 <a:srgbClr val="003565"/>
               </a:buClr>
@@ -6679,7 +6951,7 @@
               <a:solidFill>
                 <a:schemeClr val="tx1"/>
               </a:solidFill>
-              <a:latin typeface="Century Gothic" panose="020B0502020202020204" pitchFamily="34" charset="0"/>
+              <a:latin typeface="Atkinson Hyperlegible" pitchFamily="2" charset="0"/>
               <a:ea typeface="Ubuntu"/>
               <a:cs typeface="Ubuntu"/>
               <a:sym typeface="Ubuntu"/>
@@ -6718,7 +6990,7 @@
           </a:bodyPr>
           <a:lstStyle/>
           <a:p>
-            <a:pPr lvl="0" algn="ctr">
+            <a:pPr lvl="0">
               <a:buClr>
                 <a:srgbClr val="003565"/>
               </a:buClr>
@@ -6729,12 +7001,103 @@
                 <a:solidFill>
                   <a:schemeClr val="tx1"/>
                 </a:solidFill>
-                <a:latin typeface="Century Gothic" panose="020B0502020202020204" pitchFamily="34" charset="0"/>
+                <a:latin typeface="Atkinson Hyperlegible" pitchFamily="2" charset="0"/>
                 <a:ea typeface="Ubuntu"/>
                 <a:cs typeface="Ubuntu"/>
                 <a:sym typeface="Ubuntu"/>
               </a:rPr>
               <a:t>Use this code as a starting point.</a:t>
+            </a:r>
+          </a:p>
+        </p:txBody>
+      </p:sp>
+      <p:sp>
+        <p:nvSpPr>
+          <p:cNvPr id="4" name="Rectangle 3">
+            <a:extLst>
+              <a:ext uri="{FF2B5EF4-FFF2-40B4-BE49-F238E27FC236}">
+                <a16:creationId xmlns:a16="http://schemas.microsoft.com/office/drawing/2014/main" id="{101DBB44-AD3D-9C07-1CC6-8727937D85FE}"/>
+              </a:ext>
+            </a:extLst>
+          </p:cNvPr>
+          <p:cNvSpPr/>
+          <p:nvPr/>
+        </p:nvSpPr>
+        <p:spPr>
+          <a:xfrm>
+            <a:off x="3174124" y="3136726"/>
+            <a:ext cx="126124" cy="205564"/>
+          </a:xfrm>
+          <a:prstGeom prst="rect">
+            <a:avLst/>
+          </a:prstGeom>
+          <a:solidFill>
+            <a:schemeClr val="bg1"/>
+          </a:solidFill>
+          <a:ln>
+            <a:noFill/>
+          </a:ln>
+        </p:spPr>
+        <p:style>
+          <a:lnRef idx="2">
+            <a:schemeClr val="accent1">
+              <a:shade val="50000"/>
+            </a:schemeClr>
+          </a:lnRef>
+          <a:fillRef idx="1">
+            <a:schemeClr val="accent1"/>
+          </a:fillRef>
+          <a:effectRef idx="0">
+            <a:schemeClr val="accent1"/>
+          </a:effectRef>
+          <a:fontRef idx="minor">
+            <a:schemeClr val="lt1"/>
+          </a:fontRef>
+        </p:style>
+        <p:txBody>
+          <a:bodyPr rtlCol="0" anchor="ctr"/>
+          <a:lstStyle/>
+          <a:p>
+            <a:endParaRPr lang="en-US">
+              <a:latin typeface="Atkinson Hyperlegible" pitchFamily="2" charset="0"/>
+            </a:endParaRPr>
+          </a:p>
+        </p:txBody>
+      </p:sp>
+      <p:sp>
+        <p:nvSpPr>
+          <p:cNvPr id="3" name="TextBox 2">
+            <a:extLst>
+              <a:ext uri="{FF2B5EF4-FFF2-40B4-BE49-F238E27FC236}">
+                <a16:creationId xmlns:a16="http://schemas.microsoft.com/office/drawing/2014/main" id="{00077E61-10F1-5909-231D-E769C1A8664A}"/>
+              </a:ext>
+            </a:extLst>
+          </p:cNvPr>
+          <p:cNvSpPr txBox="1"/>
+          <p:nvPr/>
+        </p:nvSpPr>
+        <p:spPr>
+          <a:xfrm>
+            <a:off x="3068113" y="3085619"/>
+            <a:ext cx="578069" cy="307777"/>
+          </a:xfrm>
+          <a:prstGeom prst="rect">
+            <a:avLst/>
+          </a:prstGeom>
+          <a:noFill/>
+        </p:spPr>
+        <p:txBody>
+          <a:bodyPr wrap="square" rtlCol="0">
+            <a:spAutoFit/>
+          </a:bodyPr>
+          <a:lstStyle/>
+          <a:p>
+            <a:r>
+              <a:rPr lang="en-US" dirty="0">
+                <a:latin typeface="Atkinson Hyperlegible" pitchFamily="2" charset="0"/>
+                <a:cs typeface="Consolas" panose="020B0609020204030204" pitchFamily="49" charset="0"/>
+              </a:rPr>
+              <a:t>():</a:t>
             </a:r>
           </a:p>
         </p:txBody>
@@ -6828,7 +7191,9 @@
               <a:buNone/>
             </a:pPr>
             <a:r>
-              <a:rPr lang="en-GB" dirty="0"/>
+              <a:rPr lang="en-GB" dirty="0">
+                <a:latin typeface="Atkinson Hyperlegible" pitchFamily="2" charset="0"/>
+              </a:rPr>
               <a:t>Random</a:t>
             </a:r>
           </a:p>
@@ -6865,7 +7230,7 @@
           </a:bodyPr>
           <a:lstStyle/>
           <a:p>
-            <a:pPr lvl="0" algn="ctr">
+            <a:pPr lvl="0">
               <a:buClr>
                 <a:srgbClr val="003565"/>
               </a:buClr>
@@ -6876,7 +7241,7 @@
                 <a:solidFill>
                   <a:schemeClr val="tx1"/>
                 </a:solidFill>
-                <a:latin typeface="Century Gothic" panose="020B0502020202020204" pitchFamily="34" charset="0"/>
+                <a:latin typeface="Atkinson Hyperlegible" pitchFamily="2" charset="0"/>
                 <a:ea typeface="Ubuntu"/>
                 <a:cs typeface="Ubuntu"/>
                 <a:sym typeface="Ubuntu"/>
@@ -6917,7 +7282,7 @@
           </a:bodyPr>
           <a:lstStyle/>
           <a:p>
-            <a:pPr lvl="0" algn="ctr">
+            <a:pPr lvl="0">
               <a:buClr>
                 <a:srgbClr val="003565"/>
               </a:buClr>
@@ -6928,7 +7293,7 @@
                 <a:solidFill>
                   <a:schemeClr val="tx1"/>
                 </a:solidFill>
-                <a:latin typeface="Century Gothic" panose="020B0502020202020204" pitchFamily="34" charset="0"/>
+                <a:latin typeface="Atkinson Hyperlegible" pitchFamily="2" charset="0"/>
                 <a:ea typeface="Ubuntu"/>
                 <a:cs typeface="Ubuntu"/>
                 <a:sym typeface="Ubuntu"/>
@@ -6969,7 +7334,7 @@
           </a:bodyPr>
           <a:lstStyle/>
           <a:p>
-            <a:pPr lvl="0" algn="ctr">
+            <a:pPr lvl="0">
               <a:buClr>
                 <a:srgbClr val="003565"/>
               </a:buClr>
@@ -6980,7 +7345,7 @@
                 <a:solidFill>
                   <a:schemeClr val="tx1"/>
                 </a:solidFill>
-                <a:latin typeface="Century Gothic" panose="020B0502020202020204" pitchFamily="34" charset="0"/>
+                <a:latin typeface="Atkinson Hyperlegible" pitchFamily="2" charset="0"/>
                 <a:ea typeface="Ubuntu"/>
                 <a:cs typeface="Ubuntu"/>
                 <a:sym typeface="Ubuntu"/>
@@ -7021,7 +7386,7 @@
           </a:bodyPr>
           <a:lstStyle/>
           <a:p>
-            <a:pPr lvl="0" algn="ctr">
+            <a:pPr lvl="0">
               <a:buClr>
                 <a:srgbClr val="003565"/>
               </a:buClr>
@@ -7031,7 +7396,7 @@
               <a:solidFill>
                 <a:schemeClr val="tx1"/>
               </a:solidFill>
-              <a:latin typeface="Century Gothic" panose="020B0502020202020204" pitchFamily="34" charset="0"/>
+              <a:latin typeface="Atkinson Hyperlegible" pitchFamily="2" charset="0"/>
               <a:ea typeface="Ubuntu"/>
               <a:cs typeface="Ubuntu"/>
               <a:sym typeface="Ubuntu"/>
@@ -7128,7 +7493,9 @@
               <a:buNone/>
             </a:pPr>
             <a:r>
-              <a:rPr lang="en-GB" dirty="0"/>
+              <a:rPr lang="en-GB" dirty="0">
+                <a:latin typeface="Atkinson Hyperlegible" pitchFamily="2" charset="0"/>
+              </a:rPr>
               <a:t>Activity 3.4</a:t>
             </a:r>
           </a:p>
@@ -7165,7 +7532,7 @@
           </a:bodyPr>
           <a:lstStyle/>
           <a:p>
-            <a:pPr lvl="0" algn="ctr">
+            <a:pPr lvl="0">
               <a:buClr>
                 <a:srgbClr val="003565"/>
               </a:buClr>
@@ -7176,7 +7543,7 @@
                 <a:solidFill>
                   <a:schemeClr val="tx1"/>
                 </a:solidFill>
-                <a:latin typeface="Century Gothic" panose="020B0502020202020204" pitchFamily="34" charset="0"/>
+                <a:latin typeface="Atkinson Hyperlegible" pitchFamily="2" charset="0"/>
                 <a:ea typeface="Ubuntu"/>
                 <a:cs typeface="Ubuntu"/>
                 <a:sym typeface="Ubuntu"/>
@@ -7217,7 +7584,7 @@
           </a:bodyPr>
           <a:lstStyle/>
           <a:p>
-            <a:pPr lvl="0" algn="ctr">
+            <a:pPr lvl="0">
               <a:buClr>
                 <a:srgbClr val="003565"/>
               </a:buClr>
@@ -7228,7 +7595,7 @@
                 <a:solidFill>
                   <a:schemeClr val="tx1"/>
                 </a:solidFill>
-                <a:latin typeface="Century Gothic" panose="020B0502020202020204" pitchFamily="34" charset="0"/>
+                <a:latin typeface="Atkinson Hyperlegible" pitchFamily="2" charset="0"/>
                 <a:ea typeface="Ubuntu"/>
                 <a:cs typeface="Ubuntu"/>
                 <a:sym typeface="Ubuntu"/>
@@ -7269,7 +7636,7 @@
           </a:bodyPr>
           <a:lstStyle/>
           <a:p>
-            <a:pPr lvl="0" algn="ctr">
+            <a:pPr lvl="0">
               <a:buClr>
                 <a:srgbClr val="003565"/>
               </a:buClr>
@@ -7279,7 +7646,7 @@
               <a:solidFill>
                 <a:schemeClr val="tx1"/>
               </a:solidFill>
-              <a:latin typeface="Century Gothic" panose="020B0502020202020204" pitchFamily="34" charset="0"/>
+              <a:latin typeface="Atkinson Hyperlegible" pitchFamily="2" charset="0"/>
               <a:ea typeface="Ubuntu"/>
               <a:cs typeface="Ubuntu"/>
               <a:sym typeface="Ubuntu"/>
